--- a/AUT Fremderregter Gelichstrommotor2.pptx
+++ b/AUT Fremderregter Gelichstrommotor2.pptx
@@ -4354,7 +4354,23 @@
           <a:p>
             <a:r>
               <a:rPr lang="de-DE" dirty="0"/>
-              <a:t>Hochlaufzeit im Nennbetrieb ist ca. 10 s</a:t>
+              <a:t>Hochlaufzeit im Nennbetrieb ist ca. 10 </a:t>
+            </a:r>
+            <a:r>
+              <a:rPr lang="de-DE" dirty="0" err="1"/>
+              <a:t>sdann</a:t>
+            </a:r>
+            <a:r>
+              <a:rPr lang="de-DE" dirty="0"/>
+              <a:t> sind die 2800 </a:t>
+            </a:r>
+            <a:r>
+              <a:rPr lang="de-DE" dirty="0" err="1"/>
+              <a:t>rpm</a:t>
+            </a:r>
+            <a:r>
+              <a:rPr lang="de-DE" dirty="0"/>
+              <a:t> erreicht</a:t>
             </a:r>
           </a:p>
           <a:p>
@@ -6007,7 +6023,7 @@
           <a:p>
             <a:r>
               <a:rPr lang="de-DE" dirty="0"/>
-              <a:t>Model</a:t>
+              <a:t>Modell</a:t>
             </a:r>
           </a:p>
         </p:txBody>

--- a/AUT Fremderregter Gelichstrommotor2.pptx
+++ b/AUT Fremderregter Gelichstrommotor2.pptx
@@ -211,7 +211,7 @@
           <a:p>
             <a:fld id="{A12797E1-BDF6-4C0C-A87F-D4445E99024B}" type="datetimeFigureOut">
               <a:rPr lang="de-AT" smtClean="0"/>
-              <a:t>02.03.2020</a:t>
+              <a:t>03.03.2020</a:t>
             </a:fld>
             <a:endParaRPr lang="de-AT"/>
           </a:p>
@@ -1123,7 +1123,7 @@
           <a:p>
             <a:fld id="{651C4BBC-BA48-47FC-AB44-8B4C3D67D510}" type="datetimeFigureOut">
               <a:rPr lang="de-DE" smtClean="0"/>
-              <a:t>02.03.2020</a:t>
+              <a:t>03.03.2020</a:t>
             </a:fld>
             <a:endParaRPr lang="de-DE" dirty="0"/>
           </a:p>
@@ -1293,7 +1293,7 @@
           <a:p>
             <a:fld id="{651C4BBC-BA48-47FC-AB44-8B4C3D67D510}" type="datetimeFigureOut">
               <a:rPr lang="de-DE" smtClean="0"/>
-              <a:t>02.03.2020</a:t>
+              <a:t>03.03.2020</a:t>
             </a:fld>
             <a:endParaRPr lang="de-DE" dirty="0"/>
           </a:p>
@@ -1473,7 +1473,7 @@
           <a:p>
             <a:fld id="{651C4BBC-BA48-47FC-AB44-8B4C3D67D510}" type="datetimeFigureOut">
               <a:rPr lang="de-DE" smtClean="0"/>
-              <a:t>02.03.2020</a:t>
+              <a:t>03.03.2020</a:t>
             </a:fld>
             <a:endParaRPr lang="de-DE" dirty="0"/>
           </a:p>
@@ -1643,7 +1643,7 @@
           <a:p>
             <a:fld id="{651C4BBC-BA48-47FC-AB44-8B4C3D67D510}" type="datetimeFigureOut">
               <a:rPr lang="de-DE" smtClean="0"/>
-              <a:t>02.03.2020</a:t>
+              <a:t>03.03.2020</a:t>
             </a:fld>
             <a:endParaRPr lang="de-DE" dirty="0"/>
           </a:p>
@@ -1901,7 +1901,7 @@
           <a:p>
             <a:fld id="{651C4BBC-BA48-47FC-AB44-8B4C3D67D510}" type="datetimeFigureOut">
               <a:rPr lang="de-DE" smtClean="0"/>
-              <a:t>02.03.2020</a:t>
+              <a:t>03.03.2020</a:t>
             </a:fld>
             <a:endParaRPr lang="de-DE" dirty="0"/>
           </a:p>
@@ -2189,7 +2189,7 @@
           <a:p>
             <a:fld id="{651C4BBC-BA48-47FC-AB44-8B4C3D67D510}" type="datetimeFigureOut">
               <a:rPr lang="de-DE" smtClean="0"/>
-              <a:t>02.03.2020</a:t>
+              <a:t>03.03.2020</a:t>
             </a:fld>
             <a:endParaRPr lang="de-DE" dirty="0"/>
           </a:p>
@@ -2631,7 +2631,7 @@
           <a:p>
             <a:fld id="{651C4BBC-BA48-47FC-AB44-8B4C3D67D510}" type="datetimeFigureOut">
               <a:rPr lang="de-DE" smtClean="0"/>
-              <a:t>02.03.2020</a:t>
+              <a:t>03.03.2020</a:t>
             </a:fld>
             <a:endParaRPr lang="de-DE" dirty="0"/>
           </a:p>
@@ -2749,7 +2749,7 @@
           <a:p>
             <a:fld id="{651C4BBC-BA48-47FC-AB44-8B4C3D67D510}" type="datetimeFigureOut">
               <a:rPr lang="de-DE" smtClean="0"/>
-              <a:t>02.03.2020</a:t>
+              <a:t>03.03.2020</a:t>
             </a:fld>
             <a:endParaRPr lang="de-DE" dirty="0"/>
           </a:p>
@@ -2844,7 +2844,7 @@
           <a:p>
             <a:fld id="{651C4BBC-BA48-47FC-AB44-8B4C3D67D510}" type="datetimeFigureOut">
               <a:rPr lang="de-DE" smtClean="0"/>
-              <a:t>02.03.2020</a:t>
+              <a:t>03.03.2020</a:t>
             </a:fld>
             <a:endParaRPr lang="de-DE" dirty="0"/>
           </a:p>
@@ -3132,7 +3132,7 @@
           <a:p>
             <a:fld id="{651C4BBC-BA48-47FC-AB44-8B4C3D67D510}" type="datetimeFigureOut">
               <a:rPr lang="de-DE" smtClean="0"/>
-              <a:t>02.03.2020</a:t>
+              <a:t>03.03.2020</a:t>
             </a:fld>
             <a:endParaRPr lang="de-DE" dirty="0"/>
           </a:p>
@@ -3405,7 +3405,7 @@
           <a:p>
             <a:fld id="{651C4BBC-BA48-47FC-AB44-8B4C3D67D510}" type="datetimeFigureOut">
               <a:rPr lang="de-DE" smtClean="0"/>
-              <a:t>02.03.2020</a:t>
+              <a:t>03.03.2020</a:t>
             </a:fld>
             <a:endParaRPr lang="de-DE" dirty="0"/>
           </a:p>
@@ -3702,7 +3702,7 @@
           <a:p>
             <a:fld id="{651C4BBC-BA48-47FC-AB44-8B4C3D67D510}" type="datetimeFigureOut">
               <a:rPr lang="de-DE" smtClean="0"/>
-              <a:t>02.03.2020</a:t>
+              <a:t>03.03.2020</a:t>
             </a:fld>
             <a:endParaRPr lang="de-DE" dirty="0"/>
           </a:p>
@@ -5135,6 +5135,16 @@
             <a:r>
               <a:rPr lang="de-DE" dirty="0"/>
               <a:t> Nennstrom)</a:t>
+            </a:r>
+          </a:p>
+          <a:p>
+            <a:r>
+              <a:rPr lang="de-DE" dirty="0"/>
+              <a:t>Die Drehzahl beschleunigt nach dem Anlegen einer </a:t>
+            </a:r>
+            <a:r>
+              <a:rPr lang="de-DE"/>
+              <a:t>negativen Spannung auf -6530Nm.</a:t>
             </a:r>
             <a:endParaRPr lang="de-AT" dirty="0"/>
           </a:p>
